--- a/Whiteboard design session/WDS trainer presentation - Microservices architecture.pptx
+++ b/Whiteboard design session/WDS trainer presentation - Microservices architecture.pptx
@@ -229,7 +229,7 @@
           <a:p>
             <a:fld id="{52A13B17-C506-4D51-BB37-16B365906619}" type="datetimeFigureOut">
               <a:rPr lang="en-US" smtClean="0"/>
-              <a:t>6/29/2018</a:t>
+              <a:t>7/2/2018</a:t>
             </a:fld>
             <a:endParaRPr lang="en-US" dirty="0"/>
           </a:p>
@@ -5693,7 +5693,7 @@
                   <a:prstClr val="black"/>
                 </a:solidFill>
               </a:rPr>
-              <a:t>6/29/2018 7:17 PM</a:t>
+              <a:t>7/2/2018 8:45 PM</a:t>
             </a:fld>
             <a:endParaRPr lang="en-US" dirty="0">
               <a:solidFill>
@@ -20895,10 +20895,10 @@
       </p:sp>
       <p:pic>
         <p:nvPicPr>
-          <p:cNvPr id="4" name="Picture 3" descr="Preferred New microservices architecture solution&#10;&#10;Diagram of a high-level architecture of the core services that compose the new microservices architecture, as well as the state they hold. The diagram is made up of external services, microservices and state, and externalized state. External services is payment processing, external state is Orders/Events/CustomerAccounts, and Microservices and state is: Event Catalog, Customer Accounts, and Ticket Orders services, Queue, Ticket Actor Service, Ticket, Email Service, and Payment Service.&#10;&#10;In the diagram, Two arrows labeled &quot;Read from Externalized state&quot; point from Externalized state to Customer Accounts Services and Event Catalog Service. The remaining microservices and state have an arrow labeled &quot;Externalize state for aggregation&quot; pointing back to Externalized state.">
+          <p:cNvPr id="3" name="Picture 2">
             <a:extLst>
               <a:ext uri="{FF2B5EF4-FFF2-40B4-BE49-F238E27FC236}">
-                <a16:creationId xmlns:a16="http://schemas.microsoft.com/office/drawing/2014/main" id="{73F9A010-51FF-4429-8626-073DB669009B}"/>
+                <a16:creationId xmlns:a16="http://schemas.microsoft.com/office/drawing/2014/main" id="{EBDB3C84-359B-4ABA-A59C-790FAC2D88F9}"/>
               </a:ext>
             </a:extLst>
           </p:cNvPr>
@@ -20908,30 +20908,19 @@
           <p:nvPr/>
         </p:nvPicPr>
         <p:blipFill>
-          <a:blip r:embed="rId3">
-            <a:extLst>
-              <a:ext uri="{28A0092B-C50C-407E-A947-70E740481C1C}">
-                <a14:useLocalDpi xmlns:a14="http://schemas.microsoft.com/office/drawing/2010/main" val="0"/>
-              </a:ext>
-            </a:extLst>
-          </a:blip>
-          <a:srcRect/>
+          <a:blip r:embed="rId3"/>
           <a:stretch>
             <a:fillRect/>
           </a:stretch>
         </p:blipFill>
-        <p:spPr bwMode="auto">
+        <p:spPr>
           <a:xfrm>
-            <a:off x="1317072" y="1006096"/>
-            <a:ext cx="9557855" cy="5652612"/>
+            <a:off x="1804737" y="1189176"/>
+            <a:ext cx="8938804" cy="5607923"/>
           </a:xfrm>
           <a:prstGeom prst="rect">
             <a:avLst/>
           </a:prstGeom>
-          <a:noFill/>
-          <a:ln>
-            <a:noFill/>
-          </a:ln>
         </p:spPr>
       </p:pic>
     </p:spTree>

--- a/Whiteboard design session/WDS trainer presentation - Microservices architecture.pptx
+++ b/Whiteboard design session/WDS trainer presentation - Microservices architecture.pptx
@@ -229,7 +229,7 @@
           <a:p>
             <a:fld id="{52A13B17-C506-4D51-BB37-16B365906619}" type="datetimeFigureOut">
               <a:rPr lang="en-US" smtClean="0"/>
-              <a:t>7/2/2018</a:t>
+              <a:t>8/22/2018</a:t>
             </a:fld>
             <a:endParaRPr lang="en-US" dirty="0"/>
           </a:p>
@@ -5693,7 +5693,7 @@
                   <a:prstClr val="black"/>
                 </a:solidFill>
               </a:rPr>
-              <a:t>7/2/2018 8:45 PM</a:t>
+              <a:t>8/22/2018 9:18 AM</a:t>
             </a:fld>
             <a:endParaRPr lang="en-US" dirty="0">
               <a:solidFill>
@@ -19520,7 +19520,7 @@
         </p:nvSpPr>
         <p:spPr>
           <a:xfrm>
-            <a:off x="291012" y="289511"/>
+            <a:off x="291012" y="274271"/>
             <a:ext cx="11655840" cy="899665"/>
           </a:xfrm>
         </p:spPr>
@@ -20895,7 +20895,7 @@
       </p:sp>
       <p:pic>
         <p:nvPicPr>
-          <p:cNvPr id="3" name="Picture 2">
+          <p:cNvPr id="3" name="Picture 2" descr="This diagram depicts the core services that make up the microservices architecture. ">
             <a:extLst>
               <a:ext uri="{FF2B5EF4-FFF2-40B4-BE49-F238E27FC236}">
                 <a16:creationId xmlns:a16="http://schemas.microsoft.com/office/drawing/2014/main" id="{EBDB3C84-359B-4ABA-A59C-790FAC2D88F9}"/>
@@ -25898,7 +25898,12 @@
             <p:ph type="title"/>
           </p:nvPr>
         </p:nvSpPr>
-        <p:spPr/>
+        <p:spPr>
+          <a:xfrm>
+            <a:off x="269240" y="259031"/>
+            <a:ext cx="11655840" cy="899665"/>
+          </a:xfrm>
+        </p:spPr>
         <p:txBody>
           <a:bodyPr>
             <a:normAutofit fontScale="90000"/>
@@ -26496,7 +26501,7 @@
         </p:sp>
         <p:pic>
           <p:nvPicPr>
-            <p:cNvPr id="4" name="Picture 3" descr="Customer needs and questions">
+            <p:cNvPr id="4" name="Picture 3" descr="Icon&#10;Customer needs and questions">
               <a:extLst>
                 <a:ext uri="{FF2B5EF4-FFF2-40B4-BE49-F238E27FC236}">
                   <a16:creationId xmlns:a16="http://schemas.microsoft.com/office/drawing/2014/main" id="{5F7AE3AB-1BFA-40FF-BE9B-4B46EF910C42}"/>
@@ -26770,7 +26775,7 @@
         </p:sp>
         <p:pic>
           <p:nvPicPr>
-            <p:cNvPr id="4" name="Picture 3" descr="Customer needs and questions">
+            <p:cNvPr id="4" name="Picture 3" descr="Icon&#10;Customer needs and questions">
               <a:extLst>
                 <a:ext uri="{FF2B5EF4-FFF2-40B4-BE49-F238E27FC236}">
                   <a16:creationId xmlns:a16="http://schemas.microsoft.com/office/drawing/2014/main" id="{5F7AE3AB-1BFA-40FF-BE9B-4B46EF910C42}"/>
@@ -26989,7 +26994,7 @@
         </p:grpSpPr>
         <p:pic>
           <p:nvPicPr>
-            <p:cNvPr id="11" name="Picture 10" descr="Customer objections">
+            <p:cNvPr id="11" name="Picture 10" descr="Icon&#10;Questions">
               <a:extLst>
                 <a:ext uri="{FF2B5EF4-FFF2-40B4-BE49-F238E27FC236}">
                   <a16:creationId xmlns:a16="http://schemas.microsoft.com/office/drawing/2014/main" id="{43752440-B4BA-488D-BC2F-64A9BAB696FE}"/>
@@ -27183,7 +27188,7 @@
         </p:sp>
         <p:pic>
           <p:nvPicPr>
-            <p:cNvPr id="5" name="Graphic 4" descr="Azure Functions icon" title="Azure Functions">
+            <p:cNvPr id="5" name="Graphic 4" descr="Icon&#10;&#10;Azure Functions icon">
               <a:extLst>
                 <a:ext uri="{FF2B5EF4-FFF2-40B4-BE49-F238E27FC236}">
                   <a16:creationId xmlns:a16="http://schemas.microsoft.com/office/drawing/2014/main" id="{1519041A-4858-4677-825C-95D9AC91272B}"/>
@@ -27222,7 +27227,7 @@
         </p:pic>
         <p:pic>
           <p:nvPicPr>
-            <p:cNvPr id="7" name="Graphic 6" descr="Service Fabric icon" title="Service Fabric">
+            <p:cNvPr id="7" name="Graphic 6" descr="Icon&#10;&#10;Service Fabric icon">
               <a:extLst>
                 <a:ext uri="{FF2B5EF4-FFF2-40B4-BE49-F238E27FC236}">
                   <a16:creationId xmlns:a16="http://schemas.microsoft.com/office/drawing/2014/main" id="{90C4A24F-A94F-4D30-8189-B1746DA47C4C}"/>

--- a/Whiteboard design session/WDS trainer presentation - Microservices architecture.pptx
+++ b/Whiteboard design session/WDS trainer presentation - Microservices architecture.pptx
@@ -5693,7 +5693,7 @@
                   <a:prstClr val="black"/>
                 </a:solidFill>
               </a:rPr>
-              <a:t>8/22/2018 9:18 AM</a:t>
+              <a:t>8/22/2018 10:01 AM</a:t>
             </a:fld>
             <a:endParaRPr lang="en-US" dirty="0">
               <a:solidFill>
@@ -19664,7 +19664,7 @@
           <p:nvPr>
             <p:extLst>
               <p:ext uri="{D42A27DB-BD31-4B8C-83A1-F6EECF244321}">
-                <p14:modId xmlns:p14="http://schemas.microsoft.com/office/powerpoint/2010/main" val="1132080669"/>
+                <p14:modId xmlns:p14="http://schemas.microsoft.com/office/powerpoint/2010/main" val="3486712073"/>
               </p:ext>
             </p:extLst>
           </p:nvPr>
@@ -19772,7 +19772,7 @@
                           <a:latin typeface="Segoe UI" panose="020B0502040204020203" pitchFamily="34" charset="0"/>
                           <a:cs typeface="Segoe UI" panose="020B0502040204020203" pitchFamily="34" charset="0"/>
                         </a:rPr>
-                        <a:t>Respond to questions outlined in your guide and list the answers on a flipchart.</a:t>
+                        <a:t>Respond to questions outlined in your guide and list the answers on a flipchart</a:t>
                       </a:r>
                     </a:p>
                     <a:p>
@@ -19955,7 +19955,7 @@
                           <a:latin typeface="Segoe UI" panose="020B0502040204020203" pitchFamily="34" charset="0"/>
                           <a:cs typeface="Segoe UI" panose="020B0502040204020203" pitchFamily="34" charset="0"/>
                         </a:rPr>
-                        <a:t>Identify any customer needs that are not addressed with the proposed solution.</a:t>
+                        <a:t>Identify any customer needs that are not addressed with the proposed solution</a:t>
                       </a:r>
                     </a:p>
                     <a:p>
@@ -19968,7 +19968,7 @@
                           <a:latin typeface="Segoe UI" panose="020B0502040204020203" pitchFamily="34" charset="0"/>
                           <a:cs typeface="Segoe UI" panose="020B0502040204020203" pitchFamily="34" charset="0"/>
                         </a:rPr>
-                        <a:t>Identify the benefits of your solution.</a:t>
+                        <a:t>Identify the benefits of your solution</a:t>
                       </a:r>
                     </a:p>
                     <a:p>
@@ -19981,7 +19981,7 @@
                           <a:latin typeface="Segoe UI" panose="020B0502040204020203" pitchFamily="34" charset="0"/>
                           <a:cs typeface="Segoe UI" panose="020B0502040204020203" pitchFamily="34" charset="0"/>
                         </a:rPr>
-                        <a:t>Determine how you will respond to the customer’s objections.</a:t>
+                        <a:t>Determine how you will respond to the customer’s objections</a:t>
                       </a:r>
                     </a:p>
                     <a:p>
@@ -19994,18 +19994,8 @@
                           <a:latin typeface="Segoe UI" panose="020B0502040204020203" pitchFamily="34" charset="0"/>
                           <a:cs typeface="Segoe UI" panose="020B0502040204020203" pitchFamily="34" charset="0"/>
                         </a:rPr>
-                        <a:t>Prepare for a 15-minute presentation to the customer.</a:t>
+                        <a:t>Prepare for a 15-minute presentation to the customer</a:t>
                       </a:r>
-                      <a:br>
-                        <a:rPr lang="en-US" sz="1300" dirty="0">
-                          <a:latin typeface="Segoe UI" panose="020B0502040204020203" pitchFamily="34" charset="0"/>
-                          <a:cs typeface="Segoe UI" panose="020B0502040204020203" pitchFamily="34" charset="0"/>
-                        </a:rPr>
-                      </a:br>
-                      <a:endParaRPr lang="en-US" sz="1300" dirty="0">
-                        <a:latin typeface="Segoe UI" panose="020B0502040204020203" pitchFamily="34" charset="0"/>
-                        <a:cs typeface="Segoe UI" panose="020B0502040204020203" pitchFamily="34" charset="0"/>
-                      </a:endParaRPr>
                     </a:p>
                   </a:txBody>
                   <a:tcPr marL="67235" marR="67235" marT="33617" marB="33617"/>
@@ -23582,7 +23572,7 @@
                   <a:schemeClr val="tx1"/>
                 </a:solidFill>
               </a:rPr>
-              <a:t>They can leverage Service Fabric project templates to kick-start their understanding of Service Fabric services.</a:t>
+              <a:t>They can leverage Service Fabric project templates to kick-start their understanding of Service Fabric services</a:t>
             </a:r>
           </a:p>
           <a:p>

--- a/Whiteboard design session/WDS trainer presentation - Microservices architecture.pptx
+++ b/Whiteboard design session/WDS trainer presentation - Microservices architecture.pptx
@@ -5693,7 +5693,7 @@
                   <a:prstClr val="black"/>
                 </a:solidFill>
               </a:rPr>
-              <a:t>8/22/2018 10:01 AM</a:t>
+              <a:t>8/22/2018 11:08 AM</a:t>
             </a:fld>
             <a:endParaRPr lang="en-US" dirty="0">
               <a:solidFill>
@@ -21480,7 +21480,7 @@
         <p:spPr>
           <a:xfrm>
             <a:off x="340285" y="1267520"/>
-            <a:ext cx="11584795" cy="5410712"/>
+            <a:ext cx="11584795" cy="5038302"/>
           </a:xfrm>
           <a:prstGeom prst="rect">
             <a:avLst/>
@@ -21509,22 +21509,10 @@
             </a:r>
           </a:p>
           <a:p>
-            <a:pPr>
-              <a:lnSpc>
-                <a:spcPct val="90000"/>
-              </a:lnSpc>
-              <a:spcAft>
-                <a:spcPts val="600"/>
-              </a:spcAft>
-            </a:pPr>
-            <a:r>
-              <a:rPr lang="en-US" sz="2400" dirty="0">
-                <a:latin typeface="Segoe UI Semilight" panose="020B0402040204020203" pitchFamily="34" charset="0"/>
-                <a:cs typeface="Segoe UI Semilight" panose="020B0402040204020203" pitchFamily="34" charset="0"/>
-              </a:rPr>
-              <a:t>This whiteboard design session is designed to help attendees gain a better understanding of microservices and serverless architectures, by helping an online concert ticket vendor survive the first 5 minutes of crushing load. They will handle the client's scaling needs through microservices built on top of Service Fabric, and apply smooth updates roll-back failing updates. Finally, attendees will design an implementation of load testing to optimize the architecture for handling spikes in traffic.</a:t>
-            </a:r>
-            <a:endParaRPr lang="en-US" sz="2400" dirty="0"/>
+            <a:r>
+              <a:rPr lang="en-US" sz="2200" dirty="0"/>
+              <a:t>In this whiteboard design session, you will work in a group to design a solution that leverages aspects from microservices and serverless architectures to help an online concert ticket vendor survive the first five minutes of crushing load. You will handle the client's scaling needs through microservices built on top of Service Fabric and apply smooth updates or roll back failing updates. Finally, your group will design an implementation of load testing to optimize the architecture for handling spikes in traffic.</a:t>
+            </a:r>
           </a:p>
           <a:p>
             <a:pPr>
